--- a/Website Sport Penjualan sepatu olahraga.pptx
+++ b/Website Sport Penjualan sepatu olahraga.pptx
@@ -5,7 +5,7 @@
     <p:sldMasterId id="2147483660" r:id="rId1"/>
   </p:sldMasterIdLst>
   <p:notesMasterIdLst>
-    <p:notesMasterId r:id="rId12"/>
+    <p:notesMasterId r:id="rId13"/>
   </p:notesMasterIdLst>
   <p:sldIdLst>
     <p:sldId id="257" r:id="rId2"/>
@@ -16,8 +16,9 @@
     <p:sldId id="273" r:id="rId7"/>
     <p:sldId id="274" r:id="rId8"/>
     <p:sldId id="275" r:id="rId9"/>
-    <p:sldId id="276" r:id="rId10"/>
-    <p:sldId id="277" r:id="rId11"/>
+    <p:sldId id="278" r:id="rId10"/>
+    <p:sldId id="276" r:id="rId11"/>
+    <p:sldId id="277" r:id="rId12"/>
   </p:sldIdLst>
   <p:sldSz cx="12192000" cy="6858000"/>
   <p:notesSz cx="6858000" cy="9144000"/>
@@ -127,7 +128,7 @@
 <file path=ppt/revisionInfo.xml><?xml version="1.0" encoding="utf-8"?>
 <p1510:revInfo xmlns:a="http://schemas.openxmlformats.org/drawingml/2006/main" xmlns:r="http://schemas.openxmlformats.org/officeDocument/2006/relationships" xmlns:p1510="http://schemas.microsoft.com/office/powerpoint/2015/10/main">
   <p1510:revLst>
-    <p1510:client id="{92976827-837D-4CF4-9C71-5888CB967FC6}" v="2" dt="2025-07-13T09:49:22.836"/>
+    <p1510:client id="{92976827-837D-4CF4-9C71-5888CB967FC6}" v="6" dt="2025-07-13T14:34:51.720"/>
   </p1510:revLst>
 </p1510:revInfo>
 </file>
@@ -136,8 +137,8 @@
 <pc:chgInfo xmlns:a="http://schemas.openxmlformats.org/drawingml/2006/main" xmlns:r="http://schemas.openxmlformats.org/officeDocument/2006/relationships" xmlns:ac="http://schemas.microsoft.com/office/drawing/2013/main/command" xmlns:pc="http://schemas.microsoft.com/office/powerpoint/2013/main/command">
   <pc:docChgLst>
     <pc:chgData name="Rifki Nur Amal Firdaus" userId="d58e8fb6a1d236bd" providerId="LiveId" clId="{92976827-837D-4CF4-9C71-5888CB967FC6}"/>
-    <pc:docChg chg="custSel addSld delSld modSld">
-      <pc:chgData name="Rifki Nur Amal Firdaus" userId="d58e8fb6a1d236bd" providerId="LiveId" clId="{92976827-837D-4CF4-9C71-5888CB967FC6}" dt="2025-07-13T09:52:32.739" v="180" actId="47"/>
+    <pc:docChg chg="undo custSel addSld delSld modSld">
+      <pc:chgData name="Rifki Nur Amal Firdaus" userId="d58e8fb6a1d236bd" providerId="LiveId" clId="{92976827-837D-4CF4-9C71-5888CB967FC6}" dt="2025-07-13T14:35:17.161" v="198" actId="14100"/>
       <pc:docMkLst>
         <pc:docMk/>
       </pc:docMkLst>
@@ -430,6 +431,37 @@
             <ac:spMk id="2" creationId="{216C75BE-A08E-D08A-66A3-E75FC68A92E1}"/>
           </ac:spMkLst>
         </pc:spChg>
+      </pc:sldChg>
+      <pc:sldChg chg="addSp modSp new mod">
+        <pc:chgData name="Rifki Nur Amal Firdaus" userId="d58e8fb6a1d236bd" providerId="LiveId" clId="{92976827-837D-4CF4-9C71-5888CB967FC6}" dt="2025-07-13T14:35:17.161" v="198" actId="14100"/>
+        <pc:sldMkLst>
+          <pc:docMk/>
+          <pc:sldMk cId="1780704541" sldId="278"/>
+        </pc:sldMkLst>
+        <pc:picChg chg="add mod">
+          <ac:chgData name="Rifki Nur Amal Firdaus" userId="d58e8fb6a1d236bd" providerId="LiveId" clId="{92976827-837D-4CF4-9C71-5888CB967FC6}" dt="2025-07-13T14:32:52.546" v="188" actId="14100"/>
+          <ac:picMkLst>
+            <pc:docMk/>
+            <pc:sldMk cId="1780704541" sldId="278"/>
+            <ac:picMk id="3" creationId="{F06B285F-C81C-D9F5-C9DB-811B5EF7F85F}"/>
+          </ac:picMkLst>
+        </pc:picChg>
+        <pc:picChg chg="add mod">
+          <ac:chgData name="Rifki Nur Amal Firdaus" userId="d58e8fb6a1d236bd" providerId="LiveId" clId="{92976827-837D-4CF4-9C71-5888CB967FC6}" dt="2025-07-13T14:34:43.930" v="194" actId="14100"/>
+          <ac:picMkLst>
+            <pc:docMk/>
+            <pc:sldMk cId="1780704541" sldId="278"/>
+            <ac:picMk id="5" creationId="{7E493084-6B93-54A5-00F4-56F537951C7D}"/>
+          </ac:picMkLst>
+        </pc:picChg>
+        <pc:picChg chg="add mod">
+          <ac:chgData name="Rifki Nur Amal Firdaus" userId="d58e8fb6a1d236bd" providerId="LiveId" clId="{92976827-837D-4CF4-9C71-5888CB967FC6}" dt="2025-07-13T14:35:17.161" v="198" actId="14100"/>
+          <ac:picMkLst>
+            <pc:docMk/>
+            <pc:sldMk cId="1780704541" sldId="278"/>
+            <ac:picMk id="7" creationId="{461053AE-0BF4-0679-E7BD-C13A1E819F94}"/>
+          </ac:picMkLst>
+        </pc:picChg>
       </pc:sldChg>
     </pc:docChg>
   </pc:docChgLst>
@@ -25737,6 +25769,102 @@
       </p:grpSpPr>
       <p:sp>
         <p:nvSpPr>
+          <p:cNvPr id="3" name="Text Placeholder 2">
+            <a:extLst>
+              <a:ext uri="{FF2B5EF4-FFF2-40B4-BE49-F238E27FC236}">
+                <a16:creationId xmlns:a16="http://schemas.microsoft.com/office/drawing/2014/main" id="{3FE08D87-84ED-13DC-4298-B9F7D0FE7B00}"/>
+              </a:ext>
+            </a:extLst>
+          </p:cNvPr>
+          <p:cNvSpPr>
+            <a:spLocks noGrp="1"/>
+          </p:cNvSpPr>
+          <p:nvPr>
+            <p:ph type="body" idx="1"/>
+          </p:nvPr>
+        </p:nvSpPr>
+        <p:spPr>
+          <a:xfrm>
+            <a:off x="1572225" y="4671434"/>
+            <a:ext cx="8630446" cy="1012929"/>
+          </a:xfrm>
+        </p:spPr>
+        <p:txBody>
+          <a:bodyPr/>
+          <a:lstStyle/>
+          <a:p>
+            <a:endParaRPr lang="en-ID" dirty="0"/>
+          </a:p>
+        </p:txBody>
+      </p:sp>
+      <p:pic>
+        <p:nvPicPr>
+          <p:cNvPr id="5" name="Picture 4">
+            <a:extLst>
+              <a:ext uri="{FF2B5EF4-FFF2-40B4-BE49-F238E27FC236}">
+                <a16:creationId xmlns:a16="http://schemas.microsoft.com/office/drawing/2014/main" id="{AFEE267C-8210-C69A-4DC1-0249DEEFAAAF}"/>
+              </a:ext>
+            </a:extLst>
+          </p:cNvPr>
+          <p:cNvPicPr>
+            <a:picLocks noChangeAspect="1"/>
+          </p:cNvPicPr>
+          <p:nvPr/>
+        </p:nvPicPr>
+        <p:blipFill>
+          <a:blip r:embed="rId2">
+            <a:extLst>
+              <a:ext uri="{28A0092B-C50C-407E-A947-70E740481C1C}">
+                <a14:useLocalDpi xmlns:a14="http://schemas.microsoft.com/office/drawing/2010/main" val="0"/>
+              </a:ext>
+            </a:extLst>
+          </a:blip>
+          <a:stretch>
+            <a:fillRect/>
+          </a:stretch>
+        </p:blipFill>
+        <p:spPr>
+          <a:xfrm>
+            <a:off x="0" y="9992"/>
+            <a:ext cx="12192000" cy="6838016"/>
+          </a:xfrm>
+          <a:prstGeom prst="rect">
+            <a:avLst/>
+          </a:prstGeom>
+        </p:spPr>
+      </p:pic>
+    </p:spTree>
+    <p:extLst>
+      <p:ext uri="{BB962C8B-B14F-4D97-AF65-F5344CB8AC3E}">
+        <p14:creationId xmlns:p14="http://schemas.microsoft.com/office/powerpoint/2010/main" val="745357931"/>
+      </p:ext>
+    </p:extLst>
+  </p:cSld>
+  <p:clrMapOvr>
+    <a:masterClrMapping/>
+  </p:clrMapOvr>
+</p:sld>
+</file>
+
+<file path=ppt/slides/slide11.xml><?xml version="1.0" encoding="utf-8"?>
+<p:sld xmlns:a="http://schemas.openxmlformats.org/drawingml/2006/main" xmlns:r="http://schemas.openxmlformats.org/officeDocument/2006/relationships" xmlns:p="http://schemas.openxmlformats.org/presentationml/2006/main">
+  <p:cSld>
+    <p:spTree>
+      <p:nvGrpSpPr>
+        <p:cNvPr id="1" name=""/>
+        <p:cNvGrpSpPr/>
+        <p:nvPr/>
+      </p:nvGrpSpPr>
+      <p:grpSpPr>
+        <a:xfrm>
+          <a:off x="0" y="0"/>
+          <a:ext cx="0" cy="0"/>
+          <a:chOff x="0" y="0"/>
+          <a:chExt cx="0" cy="0"/>
+        </a:xfrm>
+      </p:grpSpPr>
+      <p:sp>
+        <p:nvSpPr>
           <p:cNvPr id="2" name="Title 1">
             <a:extLst>
               <a:ext uri="{FF2B5EF4-FFF2-40B4-BE49-F238E27FC236}">
@@ -26249,42 +26377,12 @@
           <a:chExt cx="0" cy="0"/>
         </a:xfrm>
       </p:grpSpPr>
-      <p:sp>
-        <p:nvSpPr>
-          <p:cNvPr id="3" name="Text Placeholder 2">
-            <a:extLst>
-              <a:ext uri="{FF2B5EF4-FFF2-40B4-BE49-F238E27FC236}">
-                <a16:creationId xmlns:a16="http://schemas.microsoft.com/office/drawing/2014/main" id="{3FE08D87-84ED-13DC-4298-B9F7D0FE7B00}"/>
-              </a:ext>
-            </a:extLst>
-          </p:cNvPr>
-          <p:cNvSpPr>
-            <a:spLocks noGrp="1"/>
-          </p:cNvSpPr>
-          <p:nvPr>
-            <p:ph type="body" idx="1"/>
-          </p:nvPr>
-        </p:nvSpPr>
-        <p:spPr>
-          <a:xfrm>
-            <a:off x="1572225" y="4671434"/>
-            <a:ext cx="8630446" cy="1012929"/>
-          </a:xfrm>
-        </p:spPr>
-        <p:txBody>
-          <a:bodyPr/>
-          <a:lstStyle/>
-          <a:p>
-            <a:endParaRPr lang="en-ID" dirty="0"/>
-          </a:p>
-        </p:txBody>
-      </p:sp>
       <p:pic>
         <p:nvPicPr>
           <p:cNvPr id="5" name="Picture 4">
             <a:extLst>
               <a:ext uri="{FF2B5EF4-FFF2-40B4-BE49-F238E27FC236}">
-                <a16:creationId xmlns:a16="http://schemas.microsoft.com/office/drawing/2014/main" id="{AFEE267C-8210-C69A-4DC1-0249DEEFAAAF}"/>
+                <a16:creationId xmlns:a16="http://schemas.microsoft.com/office/drawing/2014/main" id="{7E493084-6B93-54A5-00F4-56F537951C7D}"/>
               </a:ext>
             </a:extLst>
           </p:cNvPr>
@@ -26307,8 +26405,44 @@
         </p:blipFill>
         <p:spPr>
           <a:xfrm>
-            <a:off x="0" y="9992"/>
-            <a:ext cx="12192000" cy="6838016"/>
+            <a:off x="0" y="0"/>
+            <a:ext cx="12192000" cy="6858000"/>
+          </a:xfrm>
+          <a:prstGeom prst="rect">
+            <a:avLst/>
+          </a:prstGeom>
+        </p:spPr>
+      </p:pic>
+      <p:pic>
+        <p:nvPicPr>
+          <p:cNvPr id="7" name="Picture 6">
+            <a:extLst>
+              <a:ext uri="{FF2B5EF4-FFF2-40B4-BE49-F238E27FC236}">
+                <a16:creationId xmlns:a16="http://schemas.microsoft.com/office/drawing/2014/main" id="{461053AE-0BF4-0679-E7BD-C13A1E819F94}"/>
+              </a:ext>
+            </a:extLst>
+          </p:cNvPr>
+          <p:cNvPicPr>
+            <a:picLocks noChangeAspect="1"/>
+          </p:cNvPicPr>
+          <p:nvPr/>
+        </p:nvPicPr>
+        <p:blipFill>
+          <a:blip r:embed="rId3">
+            <a:extLst>
+              <a:ext uri="{28A0092B-C50C-407E-A947-70E740481C1C}">
+                <a14:useLocalDpi xmlns:a14="http://schemas.microsoft.com/office/drawing/2010/main" val="0"/>
+              </a:ext>
+            </a:extLst>
+          </a:blip>
+          <a:stretch>
+            <a:fillRect/>
+          </a:stretch>
+        </p:blipFill>
+        <p:spPr>
+          <a:xfrm>
+            <a:off x="2851355" y="0"/>
+            <a:ext cx="6461610" cy="6858000"/>
           </a:xfrm>
           <a:prstGeom prst="rect">
             <a:avLst/>
@@ -26318,7 +26452,7 @@
     </p:spTree>
     <p:extLst>
       <p:ext uri="{BB962C8B-B14F-4D97-AF65-F5344CB8AC3E}">
-        <p14:creationId xmlns:p14="http://schemas.microsoft.com/office/powerpoint/2010/main" val="745357931"/>
+        <p14:creationId xmlns:p14="http://schemas.microsoft.com/office/powerpoint/2010/main" val="1780704541"/>
       </p:ext>
     </p:extLst>
   </p:cSld>
